--- a/info/개인 프로젝트_조립 PC 견적 추천_최종.pptx
+++ b/info/개인 프로젝트_조립 PC 견적 추천_최종.pptx
@@ -2,7 +2,7 @@
 <file path=ppt/presentation.xml><?xml version="1.0" encoding="utf-8"?>
 <p:presentation xmlns:a="http://schemas.openxmlformats.org/drawingml/2006/main" xmlns:r="http://schemas.openxmlformats.org/officeDocument/2006/relationships" xmlns:p="http://schemas.openxmlformats.org/presentationml/2006/main" xmlns:p14="http://schemas.microsoft.com/office/powerpoint/2010/main" saveSubsetFonts="1">
   <p:sldMasterIdLst>
-    <p:sldMasterId id="2147483863" r:id="rId13"/>
+    <p:sldMasterId id="2147483865" r:id="rId13"/>
   </p:sldMasterIdLst>
   <p:sldIdLst>
     <p:sldId id="256" r:id="rId15"/>
@@ -42,6 +42,7 @@
     <p:sldId id="288" r:id="rId49"/>
     <p:sldId id="289" r:id="rId50"/>
     <p:sldId id="291" r:id="rId51"/>
+    <p:sldId id="295" r:id="rId52"/>
   </p:sldIdLst>
   <p:sldSz cx="12192000" cy="6858000"/>
   <p:notesSz cx="6858000" cy="9144000"/>
@@ -30611,6 +30612,365 @@
               <a:t>1,2 단계를 성공적으로 하면 나머지 줄에도 콤마가 다 생성된다.</a:t>
             </a:r>
             <a:endParaRPr lang="ko-KR" altLang="en-US" sz="1800" cap="none" dirty="0" smtClean="0" b="0" strike="noStrike">
+              <a:latin typeface="맑은 고딕" charset="0"/>
+              <a:ea typeface="맑은 고딕" charset="0"/>
+            </a:endParaRPr>
+          </a:p>
+        </p:txBody>
+      </p:sp>
+    </p:spTree>
+  </p:cSld>
+  <p:clrMapOvr>
+    <a:masterClrMapping/>
+  </p:clrMapOvr>
+  <mc:AlternateContent xmlns:mc="http://schemas.openxmlformats.org/markup-compatibility/2006">
+    <mc:Choice xmlns:p14="http://schemas.microsoft.com/office/powerpoint/2010/main" Requires="p14">
+      <p:transition spd="slow" p14:dur="1000"/>
+    </mc:Choice>
+    <mc:Fallback>
+      <p:transition spd="slow"/>
+    </mc:Fallback>
+  </mc:AlternateContent>
+</p:sld>
+</file>
+
+<file path=ppt/slides/slide38.xml><?xml version="1.0" encoding="utf-8"?>
+<p:sld xmlns:a="http://schemas.openxmlformats.org/drawingml/2006/main" xmlns:r="http://schemas.openxmlformats.org/officeDocument/2006/relationships" xmlns:p="http://schemas.openxmlformats.org/presentationml/2006/main">
+  <p:cSld>
+    <p:spTree>
+      <p:nvGrpSpPr>
+        <p:cNvPr id="1" name=""/>
+        <p:cNvGrpSpPr/>
+        <p:nvPr/>
+      </p:nvGrpSpPr>
+      <p:grpSpPr>
+        <a:xfrm>
+          <a:off x="0" y="0"/>
+          <a:ext cx="0" cy="0"/>
+          <a:chOff x="0" y="0"/>
+          <a:chExt cx="0" cy="0"/>
+        </a:xfrm>
+      </p:grpSpPr>
+      <p:sp>
+        <p:nvSpPr>
+          <p:cNvPr id="2" name="텍스트 개체 틀 1"/>
+          <p:cNvSpPr txBox="1">
+            <a:spLocks/>
+          </p:cNvSpPr>
+          <p:nvPr>
+            <p:ph type="title"/>
+          </p:nvPr>
+        </p:nvSpPr>
+        <p:spPr>
+          <a:xfrm rot="0">
+            <a:off x="838200" y="365125"/>
+            <a:ext cx="10516870" cy="1327150"/>
+          </a:xfrm>
+          <a:prstGeom prst="rect"/>
+        </p:spPr>
+        <p:txBody>
+          <a:bodyPr wrap="square" lIns="91440" tIns="45720" rIns="91440" bIns="45720" vert="horz" anchor="ctr">
+            <a:normAutofit fontScale="100000" lnSpcReduction="0"/>
+          </a:bodyPr>
+          <a:lstStyle/>
+          <a:p>
+            <a:pPr marL="0" indent="0" algn="l" fontAlgn="auto" defTabSz="914400" eaLnBrk="0">
+              <a:lnSpc>
+                <a:spcPct val="90000"/>
+              </a:lnSpc>
+              <a:spcBef>
+                <a:spcPts val="0"/>
+              </a:spcBef>
+              <a:spcAft>
+                <a:spcPts val="0"/>
+              </a:spcAft>
+              <a:buFontTx/>
+              <a:buNone/>
+            </a:pPr>
+            <a:r>
+              <a:rPr lang="en-US" altLang="ko-KR" sz="4400" cap="none" dirty="0" smtClean="0" b="0" strike="noStrike">
+                <a:latin typeface="맑은 고딕" charset="0"/>
+                <a:ea typeface="맑은 고딕" charset="0"/>
+              </a:rPr>
+              <a:t>파일 위치</a:t>
+            </a:r>
+            <a:endParaRPr lang="ko-KR" altLang="en-US" sz="4400" cap="none" dirty="0" smtClean="0" b="0" strike="noStrike">
+              <a:latin typeface="맑은 고딕" charset="0"/>
+              <a:ea typeface="맑은 고딕" charset="0"/>
+            </a:endParaRPr>
+          </a:p>
+        </p:txBody>
+      </p:sp>
+      <p:sp>
+        <p:nvSpPr>
+          <p:cNvPr id="3" name="내용 개체 틀 2"/>
+          <p:cNvSpPr txBox="1">
+            <a:spLocks/>
+          </p:cNvSpPr>
+          <p:nvPr>
+            <p:ph type="obj" idx="1"/>
+          </p:nvPr>
+        </p:nvSpPr>
+        <p:spPr>
+          <a:xfrm rot="0">
+            <a:off x="838200" y="1825625"/>
+            <a:ext cx="10516870" cy="4352925"/>
+          </a:xfrm>
+          <a:prstGeom prst="rect"/>
+        </p:spPr>
+        <p:txBody>
+          <a:bodyPr wrap="square" lIns="91440" tIns="45720" rIns="91440" bIns="45720" vert="horz" anchor="t">
+            <a:normAutofit fontScale="100000" lnSpcReduction="0"/>
+          </a:bodyPr>
+          <a:lstStyle/>
+          <a:p>
+            <a:pPr marL="0" indent="0" algn="l" fontAlgn="auto" defTabSz="914400" eaLnBrk="0">
+              <a:lnSpc>
+                <a:spcPct val="90000"/>
+              </a:lnSpc>
+              <a:spcBef>
+                <a:spcPts val="1000"/>
+              </a:spcBef>
+              <a:spcAft>
+                <a:spcPts val="0"/>
+              </a:spcAft>
+              <a:buFontTx/>
+              <a:buNone/>
+            </a:pPr>
+            <a:r>
+              <a:rPr lang="en-US" altLang="ko-KR" sz="2800" cap="none" dirty="0" smtClean="0" b="0" strike="noStrike">
+                <a:solidFill>
+                  <a:schemeClr val="tx1"/>
+                </a:solidFill>
+                <a:latin typeface="맑은 고딕" charset="0"/>
+                <a:ea typeface="맑은 고딕" charset="0"/>
+              </a:rPr>
+              <a:t>https://github.com/yeomyeom/Data-structure-Design</a:t>
+            </a:r>
+            <a:endParaRPr lang="ko-KR" altLang="en-US" sz="2800" cap="none" dirty="0" smtClean="0" b="0" strike="noStrike">
+              <a:solidFill>
+                <a:schemeClr val="tx1"/>
+              </a:solidFill>
+              <a:latin typeface="맑은 고딕" charset="0"/>
+              <a:ea typeface="맑은 고딕" charset="0"/>
+            </a:endParaRPr>
+          </a:p>
+          <a:p>
+            <a:pPr marL="0" indent="0" algn="l" fontAlgn="auto" defTabSz="914400" eaLnBrk="0">
+              <a:lnSpc>
+                <a:spcPct val="90000"/>
+              </a:lnSpc>
+              <a:spcBef>
+                <a:spcPts val="1000"/>
+              </a:spcBef>
+              <a:spcAft>
+                <a:spcPts val="0"/>
+              </a:spcAft>
+              <a:buFontTx/>
+              <a:buNone/>
+            </a:pPr>
+            <a:endParaRPr lang="ko-KR" altLang="en-US" sz="2800" cap="none" dirty="0" smtClean="0" b="0" strike="noStrike">
+              <a:solidFill>
+                <a:schemeClr val="tx1"/>
+              </a:solidFill>
+              <a:latin typeface="맑은 고딕" charset="0"/>
+              <a:ea typeface="맑은 고딕" charset="0"/>
+            </a:endParaRPr>
+          </a:p>
+          <a:p>
+            <a:pPr marL="0" indent="0" algn="l" fontAlgn="auto" defTabSz="914400" eaLnBrk="0">
+              <a:lnSpc>
+                <a:spcPct val="90000"/>
+              </a:lnSpc>
+              <a:spcBef>
+                <a:spcPts val="1000"/>
+              </a:spcBef>
+              <a:spcAft>
+                <a:spcPts val="0"/>
+              </a:spcAft>
+              <a:buFontTx/>
+              <a:buNone/>
+            </a:pPr>
+            <a:r>
+              <a:rPr lang="en-US" altLang="ko-KR" sz="2000" cap="none" dirty="0" smtClean="0" b="0" strike="noStrike">
+                <a:solidFill>
+                  <a:schemeClr val="tx1"/>
+                </a:solidFill>
+                <a:latin typeface="Segoe UI" charset="0"/>
+                <a:ea typeface="-apple-system" charset="0"/>
+              </a:rPr>
+              <a:t>Data-structure-Design</a:t>
+            </a:r>
+            <a:r>
+              <a:rPr lang="en-US" altLang="ko-KR" sz="2000" cap="none" dirty="0" smtClean="0" b="0" strike="noStrike">
+                <a:solidFill>
+                  <a:schemeClr val="tx1"/>
+                </a:solidFill>
+                <a:latin typeface="Segoe UI" charset="0"/>
+                <a:ea typeface="-apple-system" charset="0"/>
+              </a:rPr>
+              <a:t>/</a:t>
+            </a:r>
+            <a:r>
+              <a:rPr lang="en-US" altLang="ko-KR" sz="2000" cap="none" dirty="0" smtClean="0" b="0" strike="noStrike">
+                <a:solidFill>
+                  <a:schemeClr val="tx1"/>
+                </a:solidFill>
+                <a:latin typeface="Segoe UI" charset="0"/>
+                <a:ea typeface="-apple-system" charset="0"/>
+              </a:rPr>
+              <a:t>DSproject</a:t>
+            </a:r>
+            <a:r>
+              <a:rPr lang="en-US" altLang="ko-KR" sz="2000" cap="none" dirty="0" smtClean="0" b="0" strike="noStrike">
+                <a:solidFill>
+                  <a:schemeClr val="tx1"/>
+                </a:solidFill>
+                <a:latin typeface="Segoe UI" charset="0"/>
+                <a:ea typeface="-apple-system" charset="0"/>
+              </a:rPr>
+              <a:t>/</a:t>
+            </a:r>
+            <a:r>
+              <a:rPr lang="en-US" altLang="ko-KR" sz="2000" cap="none" dirty="0" smtClean="0" b="0" strike="noStrike">
+                <a:solidFill>
+                  <a:schemeClr val="tx1"/>
+                </a:solidFill>
+                <a:latin typeface="Segoe UI" charset="0"/>
+                <a:ea typeface="-apple-system" charset="0"/>
+              </a:rPr>
+              <a:t>pcmaker</a:t>
+            </a:r>
+            <a:r>
+              <a:rPr lang="en-US" altLang="ko-KR" sz="2000" cap="none" dirty="0" smtClean="0" b="0" strike="noStrike">
+                <a:solidFill>
+                  <a:schemeClr val="tx1"/>
+                </a:solidFill>
+                <a:latin typeface="Segoe UI" charset="0"/>
+                <a:ea typeface="-apple-system" charset="0"/>
+              </a:rPr>
+              <a:t>/ : 소스파일 위치</a:t>
+            </a:r>
+            <a:endParaRPr lang="ko-KR" altLang="en-US" sz="2000" cap="none" dirty="0" smtClean="0" b="0" strike="noStrike">
+              <a:solidFill>
+                <a:schemeClr val="tx1"/>
+              </a:solidFill>
+              <a:latin typeface="Segoe UI" charset="0"/>
+              <a:ea typeface="-apple-system" charset="0"/>
+            </a:endParaRPr>
+          </a:p>
+          <a:p>
+            <a:pPr marL="0" indent="0" algn="l" fontAlgn="auto" defTabSz="914400" eaLnBrk="0">
+              <a:lnSpc>
+                <a:spcPct val="90000"/>
+              </a:lnSpc>
+              <a:spcBef>
+                <a:spcPts val="1000"/>
+              </a:spcBef>
+              <a:spcAft>
+                <a:spcPts val="0"/>
+              </a:spcAft>
+              <a:buFontTx/>
+              <a:buNone/>
+            </a:pPr>
+            <a:endParaRPr lang="ko-KR" altLang="en-US" sz="2000" cap="none" dirty="0" smtClean="0" b="0" strike="noStrike">
+              <a:solidFill>
+                <a:schemeClr val="tx1"/>
+              </a:solidFill>
+              <a:latin typeface="Segoe UI" charset="0"/>
+              <a:ea typeface="-apple-system" charset="0"/>
+            </a:endParaRPr>
+          </a:p>
+          <a:p>
+            <a:pPr marL="0" indent="0" algn="l" fontAlgn="auto" defTabSz="914400" eaLnBrk="0">
+              <a:lnSpc>
+                <a:spcPct val="90000"/>
+              </a:lnSpc>
+              <a:spcBef>
+                <a:spcPts val="1000"/>
+              </a:spcBef>
+              <a:spcAft>
+                <a:spcPts val="0"/>
+              </a:spcAft>
+              <a:buFontTx/>
+              <a:buNone/>
+            </a:pPr>
+            <a:r>
+              <a:rPr lang="en-US" altLang="ko-KR" sz="2000" cap="none" dirty="0" smtClean="0" b="0" strike="noStrike">
+                <a:solidFill>
+                  <a:schemeClr val="tx1"/>
+                </a:solidFill>
+                <a:latin typeface="Segoe UI" charset="0"/>
+                <a:ea typeface="-apple-system" charset="0"/>
+              </a:rPr>
+              <a:t>Data-structure-Design</a:t>
+            </a:r>
+            <a:r>
+              <a:rPr lang="en-US" altLang="ko-KR" sz="2000" cap="none" dirty="0" smtClean="0" b="0" strike="noStrike">
+                <a:solidFill>
+                  <a:schemeClr val="tx1"/>
+                </a:solidFill>
+                <a:latin typeface="Segoe UI" charset="0"/>
+                <a:ea typeface="-apple-system" charset="0"/>
+              </a:rPr>
+              <a:t>/</a:t>
+            </a:r>
+            <a:r>
+              <a:rPr lang="en-US" altLang="ko-KR" sz="2000" cap="none" dirty="0" smtClean="0" b="0" strike="noStrike">
+                <a:solidFill>
+                  <a:schemeClr val="tx1"/>
+                </a:solidFill>
+                <a:latin typeface="Segoe UI" charset="0"/>
+                <a:ea typeface="-apple-system" charset="0"/>
+              </a:rPr>
+              <a:t>info</a:t>
+            </a:r>
+            <a:r>
+              <a:rPr lang="en-US" altLang="ko-KR" sz="2000" cap="none" dirty="0" smtClean="0" b="0" strike="noStrike">
+                <a:solidFill>
+                  <a:schemeClr val="tx1"/>
+                </a:solidFill>
+                <a:latin typeface="Segoe UI" charset="0"/>
+                <a:ea typeface="-apple-system" charset="0"/>
+              </a:rPr>
+              <a:t>/ : 발표자료</a:t>
+            </a:r>
+            <a:endParaRPr lang="ko-KR" altLang="en-US" sz="2000" cap="none" dirty="0" smtClean="0" b="0" strike="noStrike">
+              <a:solidFill>
+                <a:schemeClr val="tx1"/>
+              </a:solidFill>
+              <a:latin typeface="Segoe UI" charset="0"/>
+              <a:ea typeface="-apple-system" charset="0"/>
+            </a:endParaRPr>
+          </a:p>
+          <a:p>
+            <a:pPr marL="0" indent="0" algn="l" fontAlgn="auto" defTabSz="914400" eaLnBrk="0">
+              <a:lnSpc>
+                <a:spcPct val="90000"/>
+              </a:lnSpc>
+              <a:spcBef>
+                <a:spcPts val="1000"/>
+              </a:spcBef>
+              <a:spcAft>
+                <a:spcPts val="0"/>
+              </a:spcAft>
+              <a:buFontTx/>
+              <a:buNone/>
+            </a:pPr>
+            <a:r>
+              <a:rPr lang="en-US" altLang="ko-KR" sz="2000" cap="none" dirty="0" smtClean="0" b="0" strike="noStrike">
+                <a:solidFill>
+                  <a:schemeClr val="tx1"/>
+                </a:solidFill>
+                <a:latin typeface="Segoe UI" charset="0"/>
+                <a:ea typeface="-apple-system" charset="0"/>
+              </a:rPr>
+              <a:t>개인 프로젝트_조립 PC 견적 추천_ ...  .pptx</a:t>
+            </a:r>
+            <a:endParaRPr lang="ko-KR" altLang="en-US" sz="2000" cap="none" dirty="0" smtClean="0" b="0" strike="noStrike">
+              <a:solidFill>
+                <a:schemeClr val="tx1"/>
+              </a:solidFill>
               <a:latin typeface="맑은 고딕" charset="0"/>
               <a:ea typeface="맑은 고딕" charset="0"/>
             </a:endParaRPr>
